--- a/coderetreat/2018-02-kampus CodeRetreat.pptx
+++ b/coderetreat/2018-02-kampus CodeRetreat.pptx
@@ -3714,6 +3714,13 @@
   <p:clrMapOvr>
     <a:masterClrMapping/>
   </p:clrMapOvr>
+  <p:timing>
+    <p:tnLst>
+      <p:par>
+        <p:cTn id="1" dur="indefinite" restart="never" nodeType="tmRoot"/>
+      </p:par>
+    </p:tnLst>
+  </p:timing>
 </p:sld>
 </file>
 
@@ -3802,7 +3809,6 @@
               <a:rPr lang="en-US" dirty="0" smtClean="0"/>
               <a:t>]</a:t>
             </a:r>
-            <a:endParaRPr lang="en-US" dirty="0" smtClean="0"/>
           </a:p>
           <a:p>
             <a:endParaRPr lang="en-US" dirty="0" smtClean="0"/>
@@ -4126,7 +4132,19 @@
             </a:pPr>
             <a:r>
               <a:rPr lang="ru-RU" dirty="0" smtClean="0"/>
-              <a:t>Не более 3 строк на метод</a:t>
+              <a:t>Не более </a:t>
+            </a:r>
+            <a:r>
+              <a:rPr lang="ru-RU" dirty="0"/>
+              <a:t>3</a:t>
+            </a:r>
+            <a:r>
+              <a:rPr lang="ru-RU" dirty="0" smtClean="0"/>
+              <a:t> </a:t>
+            </a:r>
+            <a:r>
+              <a:rPr lang="ru-RU" dirty="0" smtClean="0"/>
+              <a:t>строк на метод</a:t>
             </a:r>
             <a:endParaRPr lang="en-US" dirty="0" smtClean="0"/>
           </a:p>
@@ -4497,11 +4515,7 @@
           <a:p>
             <a:r>
               <a:rPr lang="ru-RU" dirty="0" smtClean="0"/>
-              <a:t>Сессия </a:t>
-            </a:r>
-            <a:r>
-              <a:rPr lang="ru-RU" dirty="0" smtClean="0"/>
-              <a:t>5</a:t>
+              <a:t>Сессия 5</a:t>
             </a:r>
             <a:endParaRPr lang="ru-RU" dirty="0"/>
           </a:p>
@@ -5018,11 +5032,7 @@
           <a:p>
             <a:r>
               <a:rPr lang="ru-RU" dirty="0" smtClean="0"/>
-              <a:t>В парах</a:t>
-            </a:r>
-            <a:r>
-              <a:rPr lang="ru-RU" dirty="0" smtClean="0"/>
-              <a:t>.</a:t>
+              <a:t>В парах.</a:t>
             </a:r>
             <a:r>
               <a:rPr lang="en-US" dirty="0" smtClean="0"/>
@@ -5032,7 +5042,6 @@
               <a:rPr lang="ru-RU" dirty="0" smtClean="0"/>
               <a:t>Учитесь у напарника!</a:t>
             </a:r>
-            <a:endParaRPr lang="ru-RU" dirty="0" smtClean="0"/>
           </a:p>
           <a:p>
             <a:r>
@@ -5043,11 +5052,7 @@
           <a:p>
             <a:r>
               <a:rPr lang="ru-RU" dirty="0" smtClean="0"/>
-              <a:t>В конце сессии </a:t>
-            </a:r>
-            <a:r>
-              <a:rPr lang="ru-RU" dirty="0" smtClean="0"/>
-              <a:t>код удаляется. </a:t>
+              <a:t>В конце сессии код удаляется. </a:t>
             </a:r>
             <a:br>
               <a:rPr lang="ru-RU" dirty="0" smtClean="0"/>
@@ -5056,7 +5061,6 @@
               <a:rPr lang="ru-RU" dirty="0" smtClean="0"/>
               <a:t>Пробуйте новое — так интереснее!</a:t>
             </a:r>
-            <a:endParaRPr lang="ru-RU" dirty="0" smtClean="0"/>
           </a:p>
           <a:p>
             <a:r>
@@ -5070,7 +5074,6 @@
               <a:rPr lang="ru-RU" dirty="0" smtClean="0"/>
               <a:t>Пишите тесты!</a:t>
             </a:r>
-            <a:endParaRPr lang="ru-RU" dirty="0" smtClean="0"/>
           </a:p>
           <a:p>
             <a:pPr marL="0" indent="0">
@@ -6899,6 +6902,13 @@
   <p:clrMapOvr>
     <a:masterClrMapping/>
   </p:clrMapOvr>
+  <p:timing>
+    <p:tnLst>
+      <p:par>
+        <p:cTn id="1" dur="indefinite" restart="never" nodeType="tmRoot"/>
+      </p:par>
+    </p:tnLst>
+  </p:timing>
 </p:sld>
 </file>
 
@@ -6999,7 +7009,7 @@
           <a:p>
             <a:r>
               <a:rPr lang="ru-RU" dirty="0"/>
-              <a:t>5</a:t>
+              <a:t>3</a:t>
             </a:r>
             <a:r>
               <a:rPr lang="ru-RU" dirty="0" smtClean="0"/>
